--- a/slides/jan_24.pptx
+++ b/slides/jan_24.pptx
@@ -5,12 +5,12 @@
     <p:sldMasterId id="2147483792" r:id="rId1"/>
   </p:sldMasterIdLst>
   <p:notesMasterIdLst>
-    <p:notesMasterId r:id="rId72"/>
+    <p:notesMasterId r:id="rId75"/>
   </p:notesMasterIdLst>
   <p:sldIdLst>
     <p:sldId id="256" r:id="rId2"/>
-    <p:sldId id="257" r:id="rId3"/>
-    <p:sldId id="283" r:id="rId4"/>
+    <p:sldId id="283" r:id="rId3"/>
+    <p:sldId id="257" r:id="rId4"/>
     <p:sldId id="284" r:id="rId5"/>
     <p:sldId id="259" r:id="rId6"/>
     <p:sldId id="302" r:id="rId7"/>
@@ -68,16 +68,19 @@
     <p:sldId id="330" r:id="rId59"/>
     <p:sldId id="331" r:id="rId60"/>
     <p:sldId id="332" r:id="rId61"/>
-    <p:sldId id="315" r:id="rId62"/>
-    <p:sldId id="316" r:id="rId63"/>
-    <p:sldId id="318" r:id="rId64"/>
-    <p:sldId id="317" r:id="rId65"/>
-    <p:sldId id="320" r:id="rId66"/>
-    <p:sldId id="328" r:id="rId67"/>
-    <p:sldId id="333" r:id="rId68"/>
-    <p:sldId id="321" r:id="rId69"/>
-    <p:sldId id="322" r:id="rId70"/>
-    <p:sldId id="326" r:id="rId71"/>
+    <p:sldId id="336" r:id="rId62"/>
+    <p:sldId id="315" r:id="rId63"/>
+    <p:sldId id="316" r:id="rId64"/>
+    <p:sldId id="318" r:id="rId65"/>
+    <p:sldId id="317" r:id="rId66"/>
+    <p:sldId id="320" r:id="rId67"/>
+    <p:sldId id="328" r:id="rId68"/>
+    <p:sldId id="333" r:id="rId69"/>
+    <p:sldId id="321" r:id="rId70"/>
+    <p:sldId id="322" r:id="rId71"/>
+    <p:sldId id="326" r:id="rId72"/>
+    <p:sldId id="335" r:id="rId73"/>
+    <p:sldId id="334" r:id="rId74"/>
   </p:sldIdLst>
   <p:sldSz cx="12192000" cy="6858000"/>
   <p:notesSz cx="6858000" cy="9144000"/>
@@ -23721,6 +23724,14 @@
 <file path=ppt/slides/slide2.xml><?xml version="1.0" encoding="utf-8"?>
 <p:sld xmlns:a="http://schemas.openxmlformats.org/drawingml/2006/main" xmlns:r="http://schemas.openxmlformats.org/officeDocument/2006/relationships" xmlns:p="http://schemas.openxmlformats.org/presentationml/2006/main">
   <p:cSld>
+    <p:bg>
+      <p:bgPr>
+        <a:solidFill>
+          <a:schemeClr val="accent2"/>
+        </a:solidFill>
+        <a:effectLst/>
+      </p:bgPr>
+    </p:bg>
     <p:spTree>
       <p:nvGrpSpPr>
         <p:cNvPr id="1" name=""/>
@@ -23740,7 +23751,7 @@
           <p:cNvPr id="2" name="Title 1">
             <a:extLst>
               <a:ext uri="{FF2B5EF4-FFF2-40B4-BE49-F238E27FC236}">
-                <a16:creationId xmlns:a16="http://schemas.microsoft.com/office/drawing/2014/main" id="{7B08631D-E3DB-5DB0-9B96-0067A2C9E499}"/>
+                <a16:creationId xmlns:a16="http://schemas.microsoft.com/office/drawing/2014/main" id="{57B9D6C1-DAAF-A82D-D084-B6370F625085}"/>
               </a:ext>
             </a:extLst>
           </p:cNvPr>
@@ -23751,24 +23762,106 @@
             <p:ph type="title"/>
           </p:nvPr>
         </p:nvSpPr>
-        <p:spPr/>
+        <p:spPr>
+          <a:xfrm>
+            <a:off x="829781" y="2708804"/>
+            <a:ext cx="3698803" cy="1440394"/>
+          </a:xfrm>
+          <a:noFill/>
+          <a:ln>
+            <a:solidFill>
+              <a:schemeClr val="tx1"/>
+            </a:solidFill>
+          </a:ln>
+        </p:spPr>
         <p:txBody>
-          <a:bodyPr/>
+          <a:bodyPr>
+            <a:normAutofit/>
+          </a:bodyPr>
           <a:lstStyle/>
           <a:p>
             <a:r>
-              <a:rPr lang="en-US" dirty="0"/>
-              <a:t>Outline</a:t>
+              <a:rPr lang="en-US" sz="2400">
+                <a:solidFill>
+                  <a:schemeClr val="tx1"/>
+                </a:solidFill>
+              </a:rPr>
+              <a:t>Division of Labor</a:t>
             </a:r>
           </a:p>
         </p:txBody>
       </p:sp>
       <p:sp>
         <p:nvSpPr>
-          <p:cNvPr id="4" name="Content Placeholder 2">
+          <p:cNvPr id="8" name="Rectangle 7">
             <a:extLst>
               <a:ext uri="{FF2B5EF4-FFF2-40B4-BE49-F238E27FC236}">
-                <a16:creationId xmlns:a16="http://schemas.microsoft.com/office/drawing/2014/main" id="{02F40DED-8449-9249-2DF5-CA82E14924D9}"/>
+                <a16:creationId xmlns:a16="http://schemas.microsoft.com/office/drawing/2014/main" id="{FB403EBD-907E-4D59-98D4-A72CD1063C62}"/>
+              </a:ext>
+              <a:ext uri="{C183D7F6-B498-43B3-948B-1728B52AA6E4}">
+                <adec:decorative xmlns:adec="http://schemas.microsoft.com/office/drawing/2017/decorative" val="1"/>
+              </a:ext>
+            </a:extLst>
+          </p:cNvPr>
+          <p:cNvSpPr>
+            <a:spLocks noGrp="1" noRot="1" noChangeAspect="1" noMove="1" noResize="1" noEditPoints="1" noAdjustHandles="1" noChangeArrowheads="1" noChangeShapeType="1" noTextEdit="1"/>
+          </p:cNvSpPr>
+          <p:nvPr>
+            <p:extLst>
+              <p:ext uri="{386F3935-93C4-4BCD-93E2-E3B085C9AB24}">
+                <p16:designElem xmlns:p16="http://schemas.microsoft.com/office/powerpoint/2015/main" val="1"/>
+              </p:ext>
+            </p:extLst>
+          </p:nvPr>
+        </p:nvSpPr>
+        <p:spPr>
+          <a:xfrm>
+            <a:off x="5315061" y="-2"/>
+            <a:ext cx="6876939" cy="6858002"/>
+          </a:xfrm>
+          <a:prstGeom prst="rect">
+            <a:avLst/>
+          </a:prstGeom>
+          <a:solidFill>
+            <a:schemeClr val="tx1">
+              <a:lumMod val="95000"/>
+            </a:schemeClr>
+          </a:solidFill>
+          <a:ln>
+            <a:noFill/>
+          </a:ln>
+        </p:spPr>
+        <p:style>
+          <a:lnRef idx="2">
+            <a:schemeClr val="accent1">
+              <a:shade val="50000"/>
+            </a:schemeClr>
+          </a:lnRef>
+          <a:fillRef idx="1">
+            <a:schemeClr val="accent1"/>
+          </a:fillRef>
+          <a:effectRef idx="0">
+            <a:schemeClr val="accent1"/>
+          </a:effectRef>
+          <a:fontRef idx="minor">
+            <a:schemeClr val="lt1"/>
+          </a:fontRef>
+        </p:style>
+        <p:txBody>
+          <a:bodyPr rtlCol="0" anchor="ctr"/>
+          <a:lstStyle/>
+          <a:p>
+            <a:pPr algn="ctr"/>
+            <a:endParaRPr lang="en-US"/>
+          </a:p>
+        </p:txBody>
+      </p:sp>
+      <p:sp>
+        <p:nvSpPr>
+          <p:cNvPr id="3" name="Content Placeholder 2">
+            <a:extLst>
+              <a:ext uri="{FF2B5EF4-FFF2-40B4-BE49-F238E27FC236}">
+                <a16:creationId xmlns:a16="http://schemas.microsoft.com/office/drawing/2014/main" id="{B5676FE6-9FEC-D6DE-F0AE-265A984ABE76}"/>
               </a:ext>
             </a:extLst>
           </p:cNvPr>
@@ -23779,90 +23872,112 @@
             <p:ph idx="1"/>
           </p:nvPr>
         </p:nvSpPr>
-        <p:spPr/>
+        <p:spPr>
+          <a:xfrm>
+            <a:off x="6049182" y="802638"/>
+            <a:ext cx="5408696" cy="5252722"/>
+          </a:xfrm>
+        </p:spPr>
         <p:txBody>
-          <a:bodyPr>
+          <a:bodyPr anchor="ctr">
             <a:normAutofit/>
           </a:bodyPr>
           <a:lstStyle/>
           <a:p>
-            <a:pPr marL="342900" indent="-342900">
-              <a:buFont typeface="+mj-lt"/>
-              <a:buAutoNum type="arabicPeriod"/>
-            </a:pPr>
-            <a:r>
-              <a:rPr lang="en-US" dirty="0"/>
-              <a:t>Basics of measurement (operationalization)</a:t>
-            </a:r>
-          </a:p>
-          <a:p>
-            <a:pPr marL="342900" indent="-342900">
-              <a:buFont typeface="+mj-lt"/>
-              <a:buAutoNum type="arabicPeriod"/>
-            </a:pPr>
-            <a:r>
-              <a:rPr lang="en-US" dirty="0"/>
-              <a:t>How do we evaluate our measurement strategies?</a:t>
-            </a:r>
-          </a:p>
-          <a:p>
-            <a:pPr marL="342900" indent="-342900">
-              <a:buFont typeface="+mj-lt"/>
-              <a:buAutoNum type="arabicPeriod"/>
-            </a:pPr>
-            <a:r>
-              <a:rPr lang="en-US" dirty="0"/>
-              <a:t>Categorizing occupations </a:t>
-            </a:r>
-          </a:p>
-          <a:p>
-            <a:pPr marL="571500" lvl="1" indent="-342900">
-              <a:buFont typeface="+mj-lt"/>
-              <a:buAutoNum type="arabicPeriod"/>
-            </a:pPr>
-            <a:r>
-              <a:rPr lang="en-US" dirty="0"/>
-              <a:t>Activity</a:t>
-            </a:r>
-          </a:p>
-          <a:p>
-            <a:pPr marL="342900" indent="-342900">
-              <a:buFont typeface="+mj-lt"/>
-              <a:buAutoNum type="arabicPeriod"/>
-            </a:pPr>
-            <a:r>
-              <a:rPr lang="en-US" dirty="0"/>
-              <a:t>Historical occupational stratification schemes</a:t>
-            </a:r>
-          </a:p>
-          <a:p>
-            <a:pPr marL="571500" lvl="1" indent="-342900">
-              <a:buFont typeface="+mj-lt"/>
-              <a:buAutoNum type="arabicPeriod"/>
-            </a:pPr>
-            <a:r>
-              <a:rPr lang="en-US" dirty="0"/>
-              <a:t>Class-based measures</a:t>
-            </a:r>
-          </a:p>
-          <a:p>
-            <a:pPr marL="571500" lvl="1" indent="-342900">
-              <a:buFont typeface="+mj-lt"/>
-              <a:buAutoNum type="arabicPeriod"/>
-            </a:pPr>
-            <a:r>
-              <a:rPr lang="en-US" dirty="0"/>
-              <a:t>Prestige-based measures</a:t>
-            </a:r>
-          </a:p>
-          <a:p>
-            <a:pPr marL="342900" indent="-342900">
-              <a:buFont typeface="+mj-lt"/>
-              <a:buAutoNum type="arabicPeriod"/>
-            </a:pPr>
-            <a:r>
-              <a:rPr lang="en-US" dirty="0"/>
-              <a:t>Takeaways</a:t>
+            <a:r>
+              <a:rPr lang="en-US" dirty="0">
+                <a:solidFill>
+                  <a:schemeClr val="bg1"/>
+                </a:solidFill>
+              </a:rPr>
+              <a:t>Friday’s activity showed how greater division of labor facilitates: </a:t>
+            </a:r>
+          </a:p>
+          <a:p>
+            <a:pPr lvl="1"/>
+            <a:r>
+              <a:rPr lang="en-US" dirty="0">
+                <a:solidFill>
+                  <a:schemeClr val="bg1"/>
+                </a:solidFill>
+              </a:rPr>
+              <a:t>Coordination </a:t>
+            </a:r>
+          </a:p>
+          <a:p>
+            <a:pPr lvl="1"/>
+            <a:r>
+              <a:rPr lang="en-US" dirty="0">
+                <a:solidFill>
+                  <a:schemeClr val="bg1"/>
+                </a:solidFill>
+              </a:rPr>
+              <a:t>Productivity  </a:t>
+            </a:r>
+          </a:p>
+          <a:p>
+            <a:pPr lvl="1"/>
+            <a:r>
+              <a:rPr lang="en-US" dirty="0">
+                <a:solidFill>
+                  <a:schemeClr val="bg1"/>
+                </a:solidFill>
+              </a:rPr>
+              <a:t>Less stress (?)</a:t>
+            </a:r>
+          </a:p>
+          <a:p>
+            <a:pPr lvl="1"/>
+            <a:r>
+              <a:rPr lang="en-US" dirty="0">
+                <a:solidFill>
+                  <a:schemeClr val="bg1"/>
+                </a:solidFill>
+              </a:rPr>
+              <a:t>(wealth) equality </a:t>
+            </a:r>
+          </a:p>
+          <a:p>
+            <a:r>
+              <a:rPr lang="en-US" dirty="0">
+                <a:solidFill>
+                  <a:schemeClr val="bg1"/>
+                </a:solidFill>
+              </a:rPr>
+              <a:t>Outstanding questions: </a:t>
+            </a:r>
+          </a:p>
+          <a:p>
+            <a:pPr lvl="1"/>
+            <a:r>
+              <a:rPr lang="en-US" dirty="0">
+                <a:solidFill>
+                  <a:schemeClr val="bg1"/>
+                </a:solidFill>
+              </a:rPr>
+              <a:t>How are social value judgments distributed across the division of labor?</a:t>
+            </a:r>
+          </a:p>
+          <a:p>
+            <a:pPr lvl="1"/>
+            <a:r>
+              <a:rPr lang="en-US" dirty="0">
+                <a:solidFill>
+                  <a:schemeClr val="bg1"/>
+                </a:solidFill>
+              </a:rPr>
+              <a:t>How do we measure those value judgments? </a:t>
+            </a:r>
+          </a:p>
+          <a:p>
+            <a:pPr lvl="1"/>
+            <a:r>
+              <a:rPr lang="en-US" dirty="0">
+                <a:solidFill>
+                  <a:schemeClr val="bg1"/>
+                </a:solidFill>
+              </a:rPr>
+              <a:t>What aspects of status as a concept make measurement difficult? </a:t>
             </a:r>
           </a:p>
         </p:txBody>
@@ -23870,12 +23985,12 @@
     </p:spTree>
     <p:extLst>
       <p:ext uri="{BB962C8B-B14F-4D97-AF65-F5344CB8AC3E}">
-        <p14:creationId xmlns:p14="http://schemas.microsoft.com/office/powerpoint/2010/main" val="140319470"/>
+        <p14:creationId xmlns:p14="http://schemas.microsoft.com/office/powerpoint/2010/main" val="1655639692"/>
       </p:ext>
     </p:extLst>
   </p:cSld>
   <p:clrMapOvr>
-    <a:masterClrMapping/>
+    <a:overrideClrMapping bg1="dk1" tx1="lt1" bg2="dk2" tx2="lt2" accent1="accent1" accent2="accent2" accent3="accent3" accent4="accent4" accent5="accent5" accent6="accent6" hlink="hlink" folHlink="folHlink"/>
   </p:clrMapOvr>
 </p:sld>
 </file>
@@ -27721,14 +27836,6 @@
 <file path=ppt/slides/slide3.xml><?xml version="1.0" encoding="utf-8"?>
 <p:sld xmlns:a="http://schemas.openxmlformats.org/drawingml/2006/main" xmlns:r="http://schemas.openxmlformats.org/officeDocument/2006/relationships" xmlns:p="http://schemas.openxmlformats.org/presentationml/2006/main">
   <p:cSld>
-    <p:bg>
-      <p:bgPr>
-        <a:solidFill>
-          <a:schemeClr val="accent2"/>
-        </a:solidFill>
-        <a:effectLst/>
-      </p:bgPr>
-    </p:bg>
     <p:spTree>
       <p:nvGrpSpPr>
         <p:cNvPr id="1" name=""/>
@@ -27748,7 +27855,7 @@
           <p:cNvPr id="2" name="Title 1">
             <a:extLst>
               <a:ext uri="{FF2B5EF4-FFF2-40B4-BE49-F238E27FC236}">
-                <a16:creationId xmlns:a16="http://schemas.microsoft.com/office/drawing/2014/main" id="{57B9D6C1-DAAF-A82D-D084-B6370F625085}"/>
+                <a16:creationId xmlns:a16="http://schemas.microsoft.com/office/drawing/2014/main" id="{7B08631D-E3DB-5DB0-9B96-0067A2C9E499}"/>
               </a:ext>
             </a:extLst>
           </p:cNvPr>
@@ -27759,106 +27866,24 @@
             <p:ph type="title"/>
           </p:nvPr>
         </p:nvSpPr>
-        <p:spPr>
-          <a:xfrm>
-            <a:off x="829781" y="2708804"/>
-            <a:ext cx="3698803" cy="1440394"/>
-          </a:xfrm>
-          <a:noFill/>
-          <a:ln>
-            <a:solidFill>
-              <a:schemeClr val="tx1"/>
-            </a:solidFill>
-          </a:ln>
-        </p:spPr>
+        <p:spPr/>
         <p:txBody>
-          <a:bodyPr>
-            <a:normAutofit/>
-          </a:bodyPr>
+          <a:bodyPr/>
           <a:lstStyle/>
           <a:p>
             <a:r>
-              <a:rPr lang="en-US" sz="2400">
-                <a:solidFill>
-                  <a:schemeClr val="tx1"/>
-                </a:solidFill>
-              </a:rPr>
-              <a:t>Division of Labor</a:t>
+              <a:rPr lang="en-US" dirty="0"/>
+              <a:t>Outline</a:t>
             </a:r>
           </a:p>
         </p:txBody>
       </p:sp>
       <p:sp>
         <p:nvSpPr>
-          <p:cNvPr id="8" name="Rectangle 7">
+          <p:cNvPr id="4" name="Content Placeholder 2">
             <a:extLst>
               <a:ext uri="{FF2B5EF4-FFF2-40B4-BE49-F238E27FC236}">
-                <a16:creationId xmlns:a16="http://schemas.microsoft.com/office/drawing/2014/main" id="{FB403EBD-907E-4D59-98D4-A72CD1063C62}"/>
-              </a:ext>
-              <a:ext uri="{C183D7F6-B498-43B3-948B-1728B52AA6E4}">
-                <adec:decorative xmlns:adec="http://schemas.microsoft.com/office/drawing/2017/decorative" val="1"/>
-              </a:ext>
-            </a:extLst>
-          </p:cNvPr>
-          <p:cNvSpPr>
-            <a:spLocks noGrp="1" noRot="1" noChangeAspect="1" noMove="1" noResize="1" noEditPoints="1" noAdjustHandles="1" noChangeArrowheads="1" noChangeShapeType="1" noTextEdit="1"/>
-          </p:cNvSpPr>
-          <p:nvPr>
-            <p:extLst>
-              <p:ext uri="{386F3935-93C4-4BCD-93E2-E3B085C9AB24}">
-                <p16:designElem xmlns:p16="http://schemas.microsoft.com/office/powerpoint/2015/main" val="1"/>
-              </p:ext>
-            </p:extLst>
-          </p:nvPr>
-        </p:nvSpPr>
-        <p:spPr>
-          <a:xfrm>
-            <a:off x="5315061" y="-2"/>
-            <a:ext cx="6876939" cy="6858002"/>
-          </a:xfrm>
-          <a:prstGeom prst="rect">
-            <a:avLst/>
-          </a:prstGeom>
-          <a:solidFill>
-            <a:schemeClr val="tx1">
-              <a:lumMod val="95000"/>
-            </a:schemeClr>
-          </a:solidFill>
-          <a:ln>
-            <a:noFill/>
-          </a:ln>
-        </p:spPr>
-        <p:style>
-          <a:lnRef idx="2">
-            <a:schemeClr val="accent1">
-              <a:shade val="50000"/>
-            </a:schemeClr>
-          </a:lnRef>
-          <a:fillRef idx="1">
-            <a:schemeClr val="accent1"/>
-          </a:fillRef>
-          <a:effectRef idx="0">
-            <a:schemeClr val="accent1"/>
-          </a:effectRef>
-          <a:fontRef idx="minor">
-            <a:schemeClr val="lt1"/>
-          </a:fontRef>
-        </p:style>
-        <p:txBody>
-          <a:bodyPr rtlCol="0" anchor="ctr"/>
-          <a:lstStyle/>
-          <a:p>
-            <a:pPr algn="ctr"/>
-            <a:endParaRPr lang="en-US"/>
-          </a:p>
-        </p:txBody>
-      </p:sp>
-      <p:sp>
-        <p:nvSpPr>
-          <p:cNvPr id="3" name="Content Placeholder 2">
-            <a:extLst>
-              <a:ext uri="{FF2B5EF4-FFF2-40B4-BE49-F238E27FC236}">
-                <a16:creationId xmlns:a16="http://schemas.microsoft.com/office/drawing/2014/main" id="{B5676FE6-9FEC-D6DE-F0AE-265A984ABE76}"/>
+                <a16:creationId xmlns:a16="http://schemas.microsoft.com/office/drawing/2014/main" id="{02F40DED-8449-9249-2DF5-CA82E14924D9}"/>
               </a:ext>
             </a:extLst>
           </p:cNvPr>
@@ -27869,112 +27894,90 @@
             <p:ph idx="1"/>
           </p:nvPr>
         </p:nvSpPr>
-        <p:spPr>
-          <a:xfrm>
-            <a:off x="6049182" y="802638"/>
-            <a:ext cx="5408696" cy="5252722"/>
-          </a:xfrm>
-        </p:spPr>
+        <p:spPr/>
         <p:txBody>
-          <a:bodyPr anchor="ctr">
+          <a:bodyPr>
             <a:normAutofit/>
           </a:bodyPr>
           <a:lstStyle/>
           <a:p>
-            <a:r>
-              <a:rPr lang="en-US" dirty="0">
-                <a:solidFill>
-                  <a:schemeClr val="bg1"/>
-                </a:solidFill>
-              </a:rPr>
-              <a:t>Friday’s activity showed how greater division of labor facilitates: </a:t>
-            </a:r>
-          </a:p>
-          <a:p>
-            <a:pPr lvl="1"/>
-            <a:r>
-              <a:rPr lang="en-US" dirty="0">
-                <a:solidFill>
-                  <a:schemeClr val="bg1"/>
-                </a:solidFill>
-              </a:rPr>
-              <a:t>Coordination </a:t>
-            </a:r>
-          </a:p>
-          <a:p>
-            <a:pPr lvl="1"/>
-            <a:r>
-              <a:rPr lang="en-US" dirty="0">
-                <a:solidFill>
-                  <a:schemeClr val="bg1"/>
-                </a:solidFill>
-              </a:rPr>
-              <a:t>Productivity  </a:t>
-            </a:r>
-          </a:p>
-          <a:p>
-            <a:pPr lvl="1"/>
-            <a:r>
-              <a:rPr lang="en-US" dirty="0">
-                <a:solidFill>
-                  <a:schemeClr val="bg1"/>
-                </a:solidFill>
-              </a:rPr>
-              <a:t>Less stress (?)</a:t>
-            </a:r>
-          </a:p>
-          <a:p>
-            <a:pPr lvl="1"/>
-            <a:r>
-              <a:rPr lang="en-US" dirty="0">
-                <a:solidFill>
-                  <a:schemeClr val="bg1"/>
-                </a:solidFill>
-              </a:rPr>
-              <a:t>(wealth) equality </a:t>
-            </a:r>
-          </a:p>
-          <a:p>
-            <a:r>
-              <a:rPr lang="en-US" dirty="0">
-                <a:solidFill>
-                  <a:schemeClr val="bg1"/>
-                </a:solidFill>
-              </a:rPr>
-              <a:t>Outstanding questions: </a:t>
-            </a:r>
-          </a:p>
-          <a:p>
-            <a:pPr lvl="1"/>
-            <a:r>
-              <a:rPr lang="en-US" dirty="0">
-                <a:solidFill>
-                  <a:schemeClr val="bg1"/>
-                </a:solidFill>
-              </a:rPr>
-              <a:t>How are social value judgments distributed across the division of labor?</a:t>
-            </a:r>
-          </a:p>
-          <a:p>
-            <a:pPr lvl="1"/>
-            <a:r>
-              <a:rPr lang="en-US" dirty="0">
-                <a:solidFill>
-                  <a:schemeClr val="bg1"/>
-                </a:solidFill>
-              </a:rPr>
-              <a:t>How do we measure those value judgments? </a:t>
-            </a:r>
-          </a:p>
-          <a:p>
-            <a:pPr lvl="1"/>
-            <a:r>
-              <a:rPr lang="en-US" dirty="0">
-                <a:solidFill>
-                  <a:schemeClr val="bg1"/>
-                </a:solidFill>
-              </a:rPr>
-              <a:t>What aspects of status as a concept make measurement difficult? </a:t>
+            <a:pPr marL="342900" indent="-342900">
+              <a:buFont typeface="+mj-lt"/>
+              <a:buAutoNum type="arabicPeriod"/>
+            </a:pPr>
+            <a:r>
+              <a:rPr lang="en-US" dirty="0"/>
+              <a:t>Basics of measurement (operationalization)</a:t>
+            </a:r>
+          </a:p>
+          <a:p>
+            <a:pPr marL="342900" indent="-342900">
+              <a:buFont typeface="+mj-lt"/>
+              <a:buAutoNum type="arabicPeriod"/>
+            </a:pPr>
+            <a:r>
+              <a:rPr lang="en-US" dirty="0"/>
+              <a:t>How do we evaluate our measurement strategies?</a:t>
+            </a:r>
+          </a:p>
+          <a:p>
+            <a:pPr marL="342900" indent="-342900">
+              <a:buFont typeface="+mj-lt"/>
+              <a:buAutoNum type="arabicPeriod"/>
+            </a:pPr>
+            <a:r>
+              <a:rPr lang="en-US" dirty="0"/>
+              <a:t>Categorizing occupations </a:t>
+            </a:r>
+          </a:p>
+          <a:p>
+            <a:pPr marL="571500" lvl="1" indent="-342900">
+              <a:buFont typeface="+mj-lt"/>
+              <a:buAutoNum type="arabicPeriod"/>
+            </a:pPr>
+            <a:r>
+              <a:rPr lang="en-US" dirty="0"/>
+              <a:t>Activity</a:t>
+            </a:r>
+          </a:p>
+          <a:p>
+            <a:pPr marL="342900" indent="-342900">
+              <a:buFont typeface="+mj-lt"/>
+              <a:buAutoNum type="arabicPeriod"/>
+            </a:pPr>
+            <a:r>
+              <a:rPr lang="en-US" dirty="0"/>
+              <a:t>Historical occupational stratification schemes</a:t>
+            </a:r>
+          </a:p>
+          <a:p>
+            <a:pPr marL="571500" lvl="1" indent="-342900">
+              <a:buFont typeface="+mj-lt"/>
+              <a:buAutoNum type="arabicPeriod"/>
+            </a:pPr>
+            <a:r>
+              <a:rPr lang="en-US" dirty="0"/>
+              <a:t>Class-based measures</a:t>
+            </a:r>
+          </a:p>
+          <a:p>
+            <a:pPr marL="571500" lvl="1" indent="-342900">
+              <a:buFont typeface="+mj-lt"/>
+              <a:buAutoNum type="arabicPeriod"/>
+            </a:pPr>
+            <a:r>
+              <a:rPr lang="en-US" dirty="0"/>
+              <a:t>Prestige-based measures</a:t>
+            </a:r>
+          </a:p>
+          <a:p>
+            <a:pPr marL="342900" indent="-342900">
+              <a:buFont typeface="+mj-lt"/>
+              <a:buAutoNum type="arabicPeriod"/>
+            </a:pPr>
+            <a:r>
+              <a:rPr lang="en-US" dirty="0"/>
+              <a:t>Takeaways</a:t>
             </a:r>
           </a:p>
         </p:txBody>
@@ -27982,12 +27985,12 @@
     </p:spTree>
     <p:extLst>
       <p:ext uri="{BB962C8B-B14F-4D97-AF65-F5344CB8AC3E}">
-        <p14:creationId xmlns:p14="http://schemas.microsoft.com/office/powerpoint/2010/main" val="1655639692"/>
+        <p14:creationId xmlns:p14="http://schemas.microsoft.com/office/powerpoint/2010/main" val="140319470"/>
       </p:ext>
     </p:extLst>
   </p:cSld>
   <p:clrMapOvr>
-    <a:overrideClrMapping bg1="dk1" tx1="lt1" bg2="dk2" tx2="lt2" accent1="accent1" accent2="accent2" accent3="accent3" accent4="accent4" accent5="accent5" accent6="accent6" hlink="hlink" folHlink="folHlink"/>
+    <a:masterClrMapping/>
   </p:clrMapOvr>
 </p:sld>
 </file>
@@ -32830,6 +32833,120 @@
       </p:grpSpPr>
       <p:sp>
         <p:nvSpPr>
+          <p:cNvPr id="2" name="Title 1">
+            <a:extLst>
+              <a:ext uri="{FF2B5EF4-FFF2-40B4-BE49-F238E27FC236}">
+                <a16:creationId xmlns:a16="http://schemas.microsoft.com/office/drawing/2014/main" id="{86245FAB-CEBC-9337-292F-9860A416FB2C}"/>
+              </a:ext>
+            </a:extLst>
+          </p:cNvPr>
+          <p:cNvSpPr>
+            <a:spLocks noGrp="1"/>
+          </p:cNvSpPr>
+          <p:nvPr>
+            <p:ph type="title"/>
+          </p:nvPr>
+        </p:nvSpPr>
+        <p:spPr/>
+        <p:txBody>
+          <a:bodyPr>
+            <a:normAutofit fontScale="90000"/>
+          </a:bodyPr>
+          <a:lstStyle/>
+          <a:p>
+            <a:r>
+              <a:rPr lang="en-US" dirty="0"/>
+              <a:t>What happens when we don’t really know what an occupation does?</a:t>
+            </a:r>
+          </a:p>
+        </p:txBody>
+      </p:sp>
+      <p:sp>
+        <p:nvSpPr>
+          <p:cNvPr id="3" name="Content Placeholder 2">
+            <a:extLst>
+              <a:ext uri="{FF2B5EF4-FFF2-40B4-BE49-F238E27FC236}">
+                <a16:creationId xmlns:a16="http://schemas.microsoft.com/office/drawing/2014/main" id="{9FCB59B6-B36E-9BCB-BD4F-2AD8E384D49A}"/>
+              </a:ext>
+            </a:extLst>
+          </p:cNvPr>
+          <p:cNvSpPr>
+            <a:spLocks noGrp="1"/>
+          </p:cNvSpPr>
+          <p:nvPr>
+            <p:ph idx="1"/>
+          </p:nvPr>
+        </p:nvSpPr>
+        <p:spPr/>
+        <p:txBody>
+          <a:bodyPr/>
+          <a:lstStyle/>
+          <a:p>
+            <a:r>
+              <a:rPr lang="en-US" dirty="0"/>
+              <a:t>Reliance on prototypes </a:t>
+            </a:r>
+          </a:p>
+          <a:p>
+            <a:r>
+              <a:rPr lang="en-US" dirty="0"/>
+              <a:t>Maybe we want to incorporate this uncertainty into our measurement</a:t>
+            </a:r>
+          </a:p>
+          <a:p>
+            <a:r>
+              <a:rPr lang="en-US" dirty="0"/>
+              <a:t>Which occupations are broadly well-understood and which are not?</a:t>
+            </a:r>
+          </a:p>
+          <a:p>
+            <a:pPr lvl="1"/>
+            <a:r>
+              <a:rPr lang="en-US" dirty="0"/>
+              <a:t>Has this changed over time?</a:t>
+            </a:r>
+          </a:p>
+          <a:p>
+            <a:pPr lvl="1"/>
+            <a:r>
+              <a:rPr lang="en-US" dirty="0"/>
+              <a:t>e.g. do we have a worse sense broadly of what farmers do now than we did when a larger proportion of society were farmers and/or interacted with farmers regularly?</a:t>
+            </a:r>
+          </a:p>
+        </p:txBody>
+      </p:sp>
+    </p:spTree>
+    <p:extLst>
+      <p:ext uri="{BB962C8B-B14F-4D97-AF65-F5344CB8AC3E}">
+        <p14:creationId xmlns:p14="http://schemas.microsoft.com/office/powerpoint/2010/main" val="147958772"/>
+      </p:ext>
+    </p:extLst>
+  </p:cSld>
+  <p:clrMapOvr>
+    <a:masterClrMapping/>
+  </p:clrMapOvr>
+</p:sld>
+</file>
+
+<file path=ppt/slides/slide62.xml><?xml version="1.0" encoding="utf-8"?>
+<p:sld xmlns:a="http://schemas.openxmlformats.org/drawingml/2006/main" xmlns:r="http://schemas.openxmlformats.org/officeDocument/2006/relationships" xmlns:p="http://schemas.openxmlformats.org/presentationml/2006/main">
+  <p:cSld>
+    <p:spTree>
+      <p:nvGrpSpPr>
+        <p:cNvPr id="1" name=""/>
+        <p:cNvGrpSpPr/>
+        <p:nvPr/>
+      </p:nvGrpSpPr>
+      <p:grpSpPr>
+        <a:xfrm>
+          <a:off x="0" y="0"/>
+          <a:ext cx="0" cy="0"/>
+          <a:chOff x="0" y="0"/>
+          <a:chExt cx="0" cy="0"/>
+        </a:xfrm>
+      </p:grpSpPr>
+      <p:sp>
+        <p:nvSpPr>
           <p:cNvPr id="4" name="Title 3">
             <a:extLst>
               <a:ext uri="{FF2B5EF4-FFF2-40B4-BE49-F238E27FC236}">
@@ -32897,7 +33014,7 @@
 </p:sld>
 </file>
 
-<file path=ppt/slides/slide62.xml><?xml version="1.0" encoding="utf-8"?>
+<file path=ppt/slides/slide63.xml><?xml version="1.0" encoding="utf-8"?>
 <p:sld xmlns:a="http://schemas.openxmlformats.org/drawingml/2006/main" xmlns:r="http://schemas.openxmlformats.org/officeDocument/2006/relationships" xmlns:p="http://schemas.openxmlformats.org/presentationml/2006/main">
   <p:cSld>
     <p:spTree>
@@ -32984,7 +33101,7 @@
 </p:sld>
 </file>
 
-<file path=ppt/slides/slide63.xml><?xml version="1.0" encoding="utf-8"?>
+<file path=ppt/slides/slide64.xml><?xml version="1.0" encoding="utf-8"?>
 <p:sld xmlns:a="http://schemas.openxmlformats.org/drawingml/2006/main" xmlns:r="http://schemas.openxmlformats.org/officeDocument/2006/relationships" xmlns:p="http://schemas.openxmlformats.org/presentationml/2006/main">
   <p:cSld>
     <p:spTree>
@@ -33129,7 +33246,7 @@
 </p:sld>
 </file>
 
-<file path=ppt/slides/slide64.xml><?xml version="1.0" encoding="utf-8"?>
+<file path=ppt/slides/slide65.xml><?xml version="1.0" encoding="utf-8"?>
 <p:sld xmlns:a="http://schemas.openxmlformats.org/drawingml/2006/main" xmlns:r="http://schemas.openxmlformats.org/officeDocument/2006/relationships" xmlns:p="http://schemas.openxmlformats.org/presentationml/2006/main">
   <p:cSld>
     <p:spTree>
@@ -33233,7 +33350,7 @@
 </p:sld>
 </file>
 
-<file path=ppt/slides/slide65.xml><?xml version="1.0" encoding="utf-8"?>
+<file path=ppt/slides/slide66.xml><?xml version="1.0" encoding="utf-8"?>
 <p:sld xmlns:a="http://schemas.openxmlformats.org/drawingml/2006/main" xmlns:r="http://schemas.openxmlformats.org/officeDocument/2006/relationships" xmlns:p="http://schemas.openxmlformats.org/presentationml/2006/main">
   <p:cSld>
     <p:spTree>
@@ -33325,7 +33442,7 @@
 </p:sld>
 </file>
 
-<file path=ppt/slides/slide66.xml><?xml version="1.0" encoding="utf-8"?>
+<file path=ppt/slides/slide67.xml><?xml version="1.0" encoding="utf-8"?>
 <p:sld xmlns:a="http://schemas.openxmlformats.org/drawingml/2006/main" xmlns:r="http://schemas.openxmlformats.org/officeDocument/2006/relationships" xmlns:p="http://schemas.openxmlformats.org/presentationml/2006/main">
   <p:cSld>
     <p:spTree>
@@ -33421,7 +33538,7 @@
 </p:sld>
 </file>
 
-<file path=ppt/slides/slide67.xml><?xml version="1.0" encoding="utf-8"?>
+<file path=ppt/slides/slide68.xml><?xml version="1.0" encoding="utf-8"?>
 <p:sld xmlns:a="http://schemas.openxmlformats.org/drawingml/2006/main" xmlns:r="http://schemas.openxmlformats.org/officeDocument/2006/relationships" xmlns:p="http://schemas.openxmlformats.org/presentationml/2006/main">
   <p:cSld>
     <p:spTree>
@@ -33507,7 +33624,7 @@
 </p:sld>
 </file>
 
-<file path=ppt/slides/slide68.xml><?xml version="1.0" encoding="utf-8"?>
+<file path=ppt/slides/slide69.xml><?xml version="1.0" encoding="utf-8"?>
 <p:sld xmlns:a="http://schemas.openxmlformats.org/drawingml/2006/main" xmlns:r="http://schemas.openxmlformats.org/officeDocument/2006/relationships" xmlns:p="http://schemas.openxmlformats.org/presentationml/2006/main">
   <p:cSld>
     <p:spTree>
@@ -33581,117 +33698,6 @@
     <p:extLst>
       <p:ext uri="{BB962C8B-B14F-4D97-AF65-F5344CB8AC3E}">
         <p14:creationId xmlns:p14="http://schemas.microsoft.com/office/powerpoint/2010/main" val="87959653"/>
-      </p:ext>
-    </p:extLst>
-  </p:cSld>
-  <p:clrMapOvr>
-    <a:masterClrMapping/>
-  </p:clrMapOvr>
-</p:sld>
-</file>
-
-<file path=ppt/slides/slide69.xml><?xml version="1.0" encoding="utf-8"?>
-<p:sld xmlns:a="http://schemas.openxmlformats.org/drawingml/2006/main" xmlns:r="http://schemas.openxmlformats.org/officeDocument/2006/relationships" xmlns:p="http://schemas.openxmlformats.org/presentationml/2006/main">
-  <p:cSld>
-    <p:spTree>
-      <p:nvGrpSpPr>
-        <p:cNvPr id="1" name=""/>
-        <p:cNvGrpSpPr/>
-        <p:nvPr/>
-      </p:nvGrpSpPr>
-      <p:grpSpPr>
-        <a:xfrm>
-          <a:off x="0" y="0"/>
-          <a:ext cx="0" cy="0"/>
-          <a:chOff x="0" y="0"/>
-          <a:chExt cx="0" cy="0"/>
-        </a:xfrm>
-      </p:grpSpPr>
-      <p:sp>
-        <p:nvSpPr>
-          <p:cNvPr id="4" name="Title 3">
-            <a:extLst>
-              <a:ext uri="{FF2B5EF4-FFF2-40B4-BE49-F238E27FC236}">
-                <a16:creationId xmlns:a16="http://schemas.microsoft.com/office/drawing/2014/main" id="{30464412-CC0F-4E0D-7FF6-1BD5E5A07F42}"/>
-              </a:ext>
-            </a:extLst>
-          </p:cNvPr>
-          <p:cNvSpPr>
-            <a:spLocks noGrp="1"/>
-          </p:cNvSpPr>
-          <p:nvPr>
-            <p:ph type="title"/>
-          </p:nvPr>
-        </p:nvSpPr>
-        <p:spPr/>
-        <p:txBody>
-          <a:bodyPr/>
-          <a:lstStyle/>
-          <a:p>
-            <a:r>
-              <a:rPr lang="en-US" dirty="0"/>
-              <a:t>Measurement is Difficult</a:t>
-            </a:r>
-          </a:p>
-        </p:txBody>
-      </p:sp>
-      <p:sp>
-        <p:nvSpPr>
-          <p:cNvPr id="5" name="Content Placeholder 4">
-            <a:extLst>
-              <a:ext uri="{FF2B5EF4-FFF2-40B4-BE49-F238E27FC236}">
-                <a16:creationId xmlns:a16="http://schemas.microsoft.com/office/drawing/2014/main" id="{F3798268-AEF1-6708-2BC4-2E20BC6AE9A6}"/>
-              </a:ext>
-            </a:extLst>
-          </p:cNvPr>
-          <p:cNvSpPr>
-            <a:spLocks noGrp="1"/>
-          </p:cNvSpPr>
-          <p:nvPr>
-            <p:ph idx="1"/>
-          </p:nvPr>
-        </p:nvSpPr>
-        <p:spPr/>
-        <p:txBody>
-          <a:bodyPr/>
-          <a:lstStyle/>
-          <a:p>
-            <a:r>
-              <a:rPr lang="en-US" dirty="0"/>
-              <a:t>Often impossible to satisfy every requirement </a:t>
-            </a:r>
-          </a:p>
-          <a:p>
-            <a:r>
-              <a:rPr lang="en-US" dirty="0"/>
-              <a:t>We do the best we can &amp; are upfront about weaknesses &amp; strengths</a:t>
-            </a:r>
-          </a:p>
-          <a:p>
-            <a:r>
-              <a:rPr lang="en-US" dirty="0"/>
-              <a:t>Sometimes you may have to make a tradeoff </a:t>
-            </a:r>
-          </a:p>
-          <a:p>
-            <a:pPr lvl="1"/>
-            <a:r>
-              <a:rPr lang="en-US" dirty="0"/>
-              <a:t>Prioritize theory </a:t>
-            </a:r>
-          </a:p>
-          <a:p>
-            <a:r>
-              <a:rPr lang="en-US" dirty="0"/>
-              <a:t>Science is a collective endeavor!</a:t>
-            </a:r>
-          </a:p>
-        </p:txBody>
-      </p:sp>
-    </p:spTree>
-    <p:extLst>
-      <p:ext uri="{BB962C8B-B14F-4D97-AF65-F5344CB8AC3E}">
-        <p14:creationId xmlns:p14="http://schemas.microsoft.com/office/powerpoint/2010/main" val="1785237980"/>
       </p:ext>
     </p:extLst>
   </p:cSld>
@@ -33814,6 +33820,117 @@
       </p:grpSpPr>
       <p:sp>
         <p:nvSpPr>
+          <p:cNvPr id="4" name="Title 3">
+            <a:extLst>
+              <a:ext uri="{FF2B5EF4-FFF2-40B4-BE49-F238E27FC236}">
+                <a16:creationId xmlns:a16="http://schemas.microsoft.com/office/drawing/2014/main" id="{30464412-CC0F-4E0D-7FF6-1BD5E5A07F42}"/>
+              </a:ext>
+            </a:extLst>
+          </p:cNvPr>
+          <p:cNvSpPr>
+            <a:spLocks noGrp="1"/>
+          </p:cNvSpPr>
+          <p:nvPr>
+            <p:ph type="title"/>
+          </p:nvPr>
+        </p:nvSpPr>
+        <p:spPr/>
+        <p:txBody>
+          <a:bodyPr/>
+          <a:lstStyle/>
+          <a:p>
+            <a:r>
+              <a:rPr lang="en-US" dirty="0"/>
+              <a:t>Measurement is Difficult</a:t>
+            </a:r>
+          </a:p>
+        </p:txBody>
+      </p:sp>
+      <p:sp>
+        <p:nvSpPr>
+          <p:cNvPr id="5" name="Content Placeholder 4">
+            <a:extLst>
+              <a:ext uri="{FF2B5EF4-FFF2-40B4-BE49-F238E27FC236}">
+                <a16:creationId xmlns:a16="http://schemas.microsoft.com/office/drawing/2014/main" id="{F3798268-AEF1-6708-2BC4-2E20BC6AE9A6}"/>
+              </a:ext>
+            </a:extLst>
+          </p:cNvPr>
+          <p:cNvSpPr>
+            <a:spLocks noGrp="1"/>
+          </p:cNvSpPr>
+          <p:nvPr>
+            <p:ph idx="1"/>
+          </p:nvPr>
+        </p:nvSpPr>
+        <p:spPr/>
+        <p:txBody>
+          <a:bodyPr/>
+          <a:lstStyle/>
+          <a:p>
+            <a:r>
+              <a:rPr lang="en-US" dirty="0"/>
+              <a:t>Often impossible to satisfy every requirement </a:t>
+            </a:r>
+          </a:p>
+          <a:p>
+            <a:r>
+              <a:rPr lang="en-US" dirty="0"/>
+              <a:t>We do the best we can &amp; are upfront about weaknesses &amp; strengths</a:t>
+            </a:r>
+          </a:p>
+          <a:p>
+            <a:r>
+              <a:rPr lang="en-US" dirty="0"/>
+              <a:t>Sometimes you may have to make a tradeoff </a:t>
+            </a:r>
+          </a:p>
+          <a:p>
+            <a:pPr lvl="1"/>
+            <a:r>
+              <a:rPr lang="en-US" dirty="0"/>
+              <a:t>Prioritize theory </a:t>
+            </a:r>
+          </a:p>
+          <a:p>
+            <a:r>
+              <a:rPr lang="en-US" dirty="0"/>
+              <a:t>Science is a collective endeavor!</a:t>
+            </a:r>
+          </a:p>
+        </p:txBody>
+      </p:sp>
+    </p:spTree>
+    <p:extLst>
+      <p:ext uri="{BB962C8B-B14F-4D97-AF65-F5344CB8AC3E}">
+        <p14:creationId xmlns:p14="http://schemas.microsoft.com/office/powerpoint/2010/main" val="1785237980"/>
+      </p:ext>
+    </p:extLst>
+  </p:cSld>
+  <p:clrMapOvr>
+    <a:masterClrMapping/>
+  </p:clrMapOvr>
+</p:sld>
+</file>
+
+<file path=ppt/slides/slide71.xml><?xml version="1.0" encoding="utf-8"?>
+<p:sld xmlns:a="http://schemas.openxmlformats.org/drawingml/2006/main" xmlns:r="http://schemas.openxmlformats.org/officeDocument/2006/relationships" xmlns:p="http://schemas.openxmlformats.org/presentationml/2006/main">
+  <p:cSld>
+    <p:spTree>
+      <p:nvGrpSpPr>
+        <p:cNvPr id="1" name=""/>
+        <p:cNvGrpSpPr/>
+        <p:nvPr/>
+      </p:nvGrpSpPr>
+      <p:grpSpPr>
+        <a:xfrm>
+          <a:off x="0" y="0"/>
+          <a:ext cx="0" cy="0"/>
+          <a:chOff x="0" y="0"/>
+          <a:chExt cx="0" cy="0"/>
+        </a:xfrm>
+      </p:grpSpPr>
+      <p:sp>
+        <p:nvSpPr>
           <p:cNvPr id="2" name="Title 1">
             <a:extLst>
               <a:ext uri="{FF2B5EF4-FFF2-40B4-BE49-F238E27FC236}">
@@ -33888,6 +34005,210 @@
     <p:extLst>
       <p:ext uri="{BB962C8B-B14F-4D97-AF65-F5344CB8AC3E}">
         <p14:creationId xmlns:p14="http://schemas.microsoft.com/office/powerpoint/2010/main" val="3333590676"/>
+      </p:ext>
+    </p:extLst>
+  </p:cSld>
+  <p:clrMapOvr>
+    <a:masterClrMapping/>
+  </p:clrMapOvr>
+</p:sld>
+</file>
+
+<file path=ppt/slides/slide72.xml><?xml version="1.0" encoding="utf-8"?>
+<p:sld xmlns:a="http://schemas.openxmlformats.org/drawingml/2006/main" xmlns:r="http://schemas.openxmlformats.org/officeDocument/2006/relationships" xmlns:p="http://schemas.openxmlformats.org/presentationml/2006/main">
+  <p:cSld>
+    <p:spTree>
+      <p:nvGrpSpPr>
+        <p:cNvPr id="1" name=""/>
+        <p:cNvGrpSpPr/>
+        <p:nvPr/>
+      </p:nvGrpSpPr>
+      <p:grpSpPr>
+        <a:xfrm>
+          <a:off x="0" y="0"/>
+          <a:ext cx="0" cy="0"/>
+          <a:chOff x="0" y="0"/>
+          <a:chExt cx="0" cy="0"/>
+        </a:xfrm>
+      </p:grpSpPr>
+      <p:sp>
+        <p:nvSpPr>
+          <p:cNvPr id="2" name="Title 1">
+            <a:extLst>
+              <a:ext uri="{FF2B5EF4-FFF2-40B4-BE49-F238E27FC236}">
+                <a16:creationId xmlns:a16="http://schemas.microsoft.com/office/drawing/2014/main" id="{358E29D5-2A6D-4D2C-33D5-38099D2973CC}"/>
+              </a:ext>
+            </a:extLst>
+          </p:cNvPr>
+          <p:cNvSpPr>
+            <a:spLocks noGrp="1"/>
+          </p:cNvSpPr>
+          <p:nvPr>
+            <p:ph type="title"/>
+          </p:nvPr>
+        </p:nvSpPr>
+        <p:spPr/>
+        <p:txBody>
+          <a:bodyPr/>
+          <a:lstStyle/>
+          <a:p>
+            <a:r>
+              <a:rPr lang="en-US" dirty="0"/>
+              <a:t>Discussion</a:t>
+            </a:r>
+          </a:p>
+        </p:txBody>
+      </p:sp>
+      <p:sp>
+        <p:nvSpPr>
+          <p:cNvPr id="3" name="Content Placeholder 2">
+            <a:extLst>
+              <a:ext uri="{FF2B5EF4-FFF2-40B4-BE49-F238E27FC236}">
+                <a16:creationId xmlns:a16="http://schemas.microsoft.com/office/drawing/2014/main" id="{4F133623-71B2-0DAD-C1EF-7ECE980E8077}"/>
+              </a:ext>
+            </a:extLst>
+          </p:cNvPr>
+          <p:cNvSpPr>
+            <a:spLocks noGrp="1"/>
+          </p:cNvSpPr>
+          <p:nvPr>
+            <p:ph idx="1"/>
+          </p:nvPr>
+        </p:nvSpPr>
+        <p:spPr/>
+        <p:txBody>
+          <a:bodyPr/>
+          <a:lstStyle/>
+          <a:p>
+            <a:r>
+              <a:rPr lang="en-US" dirty="0"/>
+              <a:t>If we were designing a study on the relationship between occupational status and job satisfaction, which scheme do we think is best to use? </a:t>
+            </a:r>
+          </a:p>
+          <a:p>
+            <a:r>
+              <a:rPr lang="en-US" dirty="0"/>
+              <a:t>Can also suggest new ways/strategies!</a:t>
+            </a:r>
+          </a:p>
+        </p:txBody>
+      </p:sp>
+    </p:spTree>
+    <p:extLst>
+      <p:ext uri="{BB962C8B-B14F-4D97-AF65-F5344CB8AC3E}">
+        <p14:creationId xmlns:p14="http://schemas.microsoft.com/office/powerpoint/2010/main" val="585453576"/>
+      </p:ext>
+    </p:extLst>
+  </p:cSld>
+  <p:clrMapOvr>
+    <a:masterClrMapping/>
+  </p:clrMapOvr>
+</p:sld>
+</file>
+
+<file path=ppt/slides/slide73.xml><?xml version="1.0" encoding="utf-8"?>
+<p:sld xmlns:a="http://schemas.openxmlformats.org/drawingml/2006/main" xmlns:r="http://schemas.openxmlformats.org/officeDocument/2006/relationships" xmlns:p="http://schemas.openxmlformats.org/presentationml/2006/main">
+  <p:cSld>
+    <p:spTree>
+      <p:nvGrpSpPr>
+        <p:cNvPr id="1" name=""/>
+        <p:cNvGrpSpPr/>
+        <p:nvPr/>
+      </p:nvGrpSpPr>
+      <p:grpSpPr>
+        <a:xfrm>
+          <a:off x="0" y="0"/>
+          <a:ext cx="0" cy="0"/>
+          <a:chOff x="0" y="0"/>
+          <a:chExt cx="0" cy="0"/>
+        </a:xfrm>
+      </p:grpSpPr>
+      <p:sp>
+        <p:nvSpPr>
+          <p:cNvPr id="2" name="Title 1">
+            <a:extLst>
+              <a:ext uri="{FF2B5EF4-FFF2-40B4-BE49-F238E27FC236}">
+                <a16:creationId xmlns:a16="http://schemas.microsoft.com/office/drawing/2014/main" id="{3DB88DF4-FCEF-6F8B-2AFB-216EA2206A2F}"/>
+              </a:ext>
+            </a:extLst>
+          </p:cNvPr>
+          <p:cNvSpPr>
+            <a:spLocks noGrp="1"/>
+          </p:cNvSpPr>
+          <p:nvPr>
+            <p:ph type="title"/>
+          </p:nvPr>
+        </p:nvSpPr>
+        <p:spPr/>
+        <p:txBody>
+          <a:bodyPr/>
+          <a:lstStyle/>
+          <a:p>
+            <a:r>
+              <a:rPr lang="en-US" dirty="0"/>
+              <a:t>Friday Notes</a:t>
+            </a:r>
+          </a:p>
+        </p:txBody>
+      </p:sp>
+      <p:sp>
+        <p:nvSpPr>
+          <p:cNvPr id="3" name="Content Placeholder 2">
+            <a:extLst>
+              <a:ext uri="{FF2B5EF4-FFF2-40B4-BE49-F238E27FC236}">
+                <a16:creationId xmlns:a16="http://schemas.microsoft.com/office/drawing/2014/main" id="{56FE5990-AEC1-D931-080D-E5A201ED1E7C}"/>
+              </a:ext>
+            </a:extLst>
+          </p:cNvPr>
+          <p:cNvSpPr>
+            <a:spLocks noGrp="1"/>
+          </p:cNvSpPr>
+          <p:nvPr>
+            <p:ph idx="1"/>
+          </p:nvPr>
+        </p:nvSpPr>
+        <p:spPr/>
+        <p:txBody>
+          <a:bodyPr/>
+          <a:lstStyle/>
+          <a:p>
+            <a:r>
+              <a:rPr lang="en-US" dirty="0"/>
+              <a:t>Bring laptops!</a:t>
+            </a:r>
+          </a:p>
+          <a:p>
+            <a:r>
+              <a:rPr lang="en-US" dirty="0"/>
+              <a:t>Reading looks like a lot (5 chapters) but they’re short – only about 30 pages substantively </a:t>
+            </a:r>
+          </a:p>
+          <a:p>
+            <a:pPr lvl="1"/>
+            <a:r>
+              <a:rPr lang="en-US" dirty="0"/>
+              <a:t>Important to read carefully because we will fairly quickly review before moving into the lab, introduction to the tools of analysis, and application </a:t>
+            </a:r>
+          </a:p>
+          <a:p>
+            <a:pPr lvl="1"/>
+            <a:r>
+              <a:rPr lang="en-US" dirty="0"/>
+              <a:t>Come with questions!</a:t>
+            </a:r>
+          </a:p>
+          <a:p>
+            <a:r>
+              <a:rPr lang="en-US" dirty="0"/>
+              <a:t>I think I am going to change next Wednesday’s reading – will let you know for sure on Friday</a:t>
+            </a:r>
+          </a:p>
+        </p:txBody>
+      </p:sp>
+    </p:spTree>
+    <p:extLst>
+      <p:ext uri="{BB962C8B-B14F-4D97-AF65-F5344CB8AC3E}">
+        <p14:creationId xmlns:p14="http://schemas.microsoft.com/office/powerpoint/2010/main" val="2569768381"/>
       </p:ext>
     </p:extLst>
   </p:cSld>
